--- a/PowerApps入門.pptx
+++ b/PowerApps入門.pptx
@@ -5,10 +5,10 @@
     <p:sldMasterId id="2147483648" r:id="rId4"/>
   </p:sldMasterIdLst>
   <p:notesMasterIdLst>
-    <p:notesMasterId r:id="rId23"/>
+    <p:notesMasterId r:id="rId24"/>
   </p:notesMasterIdLst>
   <p:handoutMasterIdLst>
-    <p:handoutMasterId r:id="rId24"/>
+    <p:handoutMasterId r:id="rId25"/>
   </p:handoutMasterIdLst>
   <p:sldIdLst>
     <p:sldId id="256" r:id="rId5"/>
@@ -18,17 +18,18 @@
     <p:sldId id="262" r:id="rId9"/>
     <p:sldId id="265" r:id="rId10"/>
     <p:sldId id="266" r:id="rId11"/>
-    <p:sldId id="281" r:id="rId12"/>
-    <p:sldId id="282" r:id="rId13"/>
-    <p:sldId id="283" r:id="rId14"/>
-    <p:sldId id="284" r:id="rId15"/>
-    <p:sldId id="285" r:id="rId16"/>
-    <p:sldId id="287" r:id="rId17"/>
-    <p:sldId id="288" r:id="rId18"/>
-    <p:sldId id="289" r:id="rId19"/>
-    <p:sldId id="286" r:id="rId20"/>
-    <p:sldId id="280" r:id="rId21"/>
-    <p:sldId id="270" r:id="rId22"/>
+    <p:sldId id="290" r:id="rId12"/>
+    <p:sldId id="281" r:id="rId13"/>
+    <p:sldId id="282" r:id="rId14"/>
+    <p:sldId id="283" r:id="rId15"/>
+    <p:sldId id="284" r:id="rId16"/>
+    <p:sldId id="285" r:id="rId17"/>
+    <p:sldId id="287" r:id="rId18"/>
+    <p:sldId id="288" r:id="rId19"/>
+    <p:sldId id="289" r:id="rId20"/>
+    <p:sldId id="286" r:id="rId21"/>
+    <p:sldId id="280" r:id="rId22"/>
+    <p:sldId id="270" r:id="rId23"/>
   </p:sldIdLst>
   <p:sldSz cx="12192000" cy="6858000"/>
   <p:notesSz cx="6858000" cy="9144000"/>
@@ -5296,7 +5297,7 @@
                 <a:latin typeface="Meiryo UI" panose="020B0604030504040204" pitchFamily="50" charset="-128"/>
                 <a:ea typeface="Meiryo UI" panose="020B0604030504040204" pitchFamily="50" charset="-128"/>
               </a:rPr>
-              <a:t>2022/5/2</a:t>
+              <a:t>2022/7/8</a:t>
             </a:fld>
             <a:endParaRPr lang="ja-JP" altLang="en-US">
               <a:latin typeface="Meiryo UI" panose="020B0604030504040204" pitchFamily="50" charset="-128"/>
@@ -5498,7 +5499,7 @@
             <a:fld id="{3F1B513A-74B5-41BE-B01C-0F34717D7C61}" type="datetime1">
               <a:rPr lang="ja-JP" altLang="en-US" smtClean="0"/>
               <a:pPr/>
-              <a:t>2022/5/2</a:t>
+              <a:t>2022/7/8</a:t>
             </a:fld>
             <a:endParaRPr lang="ja-JP" altLang="en-US" dirty="0"/>
           </a:p>
@@ -6497,7 +6498,7 @@
             <a:pPr rtl="0"/>
             <a:fld id="{E0C86772-94DE-41DD-845F-738AE05EE900}" type="slidenum">
               <a:rPr lang="en-US" altLang="ja-JP" smtClean="0"/>
-              <a:t>17</a:t>
+              <a:t>18</a:t>
             </a:fld>
             <a:endParaRPr lang="ja-JP" altLang="en-US"/>
           </a:p>
@@ -6585,7 +6586,7 @@
             <a:pPr rtl="0"/>
             <a:fld id="{E0C86772-94DE-41DD-845F-738AE05EE900}" type="slidenum">
               <a:rPr lang="en-US" altLang="ja-JP" smtClean="0"/>
-              <a:t>18</a:t>
+              <a:t>19</a:t>
             </a:fld>
             <a:endParaRPr lang="ja-JP" altLang="en-US"/>
           </a:p>
@@ -15784,7 +15785,7 @@
           <a:p>
             <a:r>
               <a:rPr lang="ja-JP" altLang="en-US" dirty="0"/>
-              <a:t>コンソール操作</a:t>
+              <a:t>データアップロード</a:t>
             </a:r>
           </a:p>
         </p:txBody>
@@ -15808,17 +15809,17 @@
         <p:spPr/>
         <p:txBody>
           <a:bodyPr>
-            <a:normAutofit fontScale="70000" lnSpcReduction="20000"/>
+            <a:normAutofit/>
           </a:bodyPr>
           <a:lstStyle/>
           <a:p>
             <a:r>
               <a:rPr lang="en-US" altLang="ja-JP" dirty="0"/>
-              <a:t>Power Apps</a:t>
+              <a:t>OneDrive</a:t>
             </a:r>
             <a:r>
               <a:rPr lang="ja-JP" altLang="en-US" dirty="0"/>
-              <a:t>　コンソールでアプリの新規作成</a:t>
+              <a:t>にデータをアップロード</a:t>
             </a:r>
           </a:p>
         </p:txBody>
@@ -15828,7 +15829,7 @@
           <p:cNvPr id="3" name="テキスト プレースホルダー 2">
             <a:extLst>
               <a:ext uri="{FF2B5EF4-FFF2-40B4-BE49-F238E27FC236}">
-                <a16:creationId xmlns:a16="http://schemas.microsoft.com/office/drawing/2014/main" id="{171FF40C-E306-475E-8F55-6EBE74F633E5}"/>
+                <a16:creationId xmlns:a16="http://schemas.microsoft.com/office/drawing/2014/main" id="{773C9E61-883E-4272-BB3A-B0D8DEFAD52B}"/>
               </a:ext>
             </a:extLst>
           </p:cNvPr>
@@ -15853,7 +15854,7 @@
           <p:cNvPr id="2" name="テキスト プレースホルダー 1">
             <a:extLst>
               <a:ext uri="{FF2B5EF4-FFF2-40B4-BE49-F238E27FC236}">
-                <a16:creationId xmlns:a16="http://schemas.microsoft.com/office/drawing/2014/main" id="{CE0CCCB1-42F9-4972-B9FD-97F27DB9D560}"/>
+                <a16:creationId xmlns:a16="http://schemas.microsoft.com/office/drawing/2014/main" id="{456F0AD3-1E1D-4C85-BAAB-9342BB67141D}"/>
               </a:ext>
             </a:extLst>
           </p:cNvPr>
@@ -15878,7 +15879,7 @@
           <p:cNvPr id="14" name="テキスト プレースホルダー 13">
             <a:extLst>
               <a:ext uri="{FF2B5EF4-FFF2-40B4-BE49-F238E27FC236}">
-                <a16:creationId xmlns:a16="http://schemas.microsoft.com/office/drawing/2014/main" id="{DF1BADA8-230D-4030-A402-506511BA071E}"/>
+                <a16:creationId xmlns:a16="http://schemas.microsoft.com/office/drawing/2014/main" id="{D8F21E60-937B-4CA3-8C5C-F3CEA7B405FD}"/>
               </a:ext>
             </a:extLst>
           </p:cNvPr>
@@ -15993,7 +15994,7 @@
     </p:spTree>
     <p:extLst>
       <p:ext uri="{BB962C8B-B14F-4D97-AF65-F5344CB8AC3E}">
-        <p14:creationId xmlns:p14="http://schemas.microsoft.com/office/powerpoint/2010/main" val="1580791031"/>
+        <p14:creationId xmlns:p14="http://schemas.microsoft.com/office/powerpoint/2010/main" val="1977392785"/>
       </p:ext>
     </p:extLst>
   </p:cSld>
@@ -16041,10 +16042,9 @@
           <a:bodyPr/>
           <a:lstStyle/>
           <a:p>
-            <a:pPr rtl="0"/>
             <a:r>
               <a:rPr lang="ja-JP" altLang="en-US" dirty="0"/>
-              <a:t>データ連携</a:t>
+              <a:t>コンソール操作</a:t>
             </a:r>
           </a:p>
         </p:txBody>
@@ -16078,15 +16078,7 @@
             </a:r>
             <a:r>
               <a:rPr lang="ja-JP" altLang="en-US" dirty="0"/>
-              <a:t> に </a:t>
-            </a:r>
-            <a:r>
-              <a:rPr lang="en-US" altLang="ja-JP" dirty="0"/>
-              <a:t>OneDrive</a:t>
-            </a:r>
-            <a:r>
-              <a:rPr lang="ja-JP" altLang="en-US" dirty="0"/>
-              <a:t>上のファイルからデータを取得して表示</a:t>
+              <a:t>　コンソールでアプリの新規作成</a:t>
             </a:r>
           </a:p>
         </p:txBody>
@@ -16096,7 +16088,7 @@
           <p:cNvPr id="3" name="テキスト プレースホルダー 2">
             <a:extLst>
               <a:ext uri="{FF2B5EF4-FFF2-40B4-BE49-F238E27FC236}">
-                <a16:creationId xmlns:a16="http://schemas.microsoft.com/office/drawing/2014/main" id="{B380C9BE-5D01-48A9-BEB4-112B0100334F}"/>
+                <a16:creationId xmlns:a16="http://schemas.microsoft.com/office/drawing/2014/main" id="{171FF40C-E306-475E-8F55-6EBE74F633E5}"/>
               </a:ext>
             </a:extLst>
           </p:cNvPr>
@@ -16121,7 +16113,7 @@
           <p:cNvPr id="2" name="テキスト プレースホルダー 1">
             <a:extLst>
               <a:ext uri="{FF2B5EF4-FFF2-40B4-BE49-F238E27FC236}">
-                <a16:creationId xmlns:a16="http://schemas.microsoft.com/office/drawing/2014/main" id="{EB654DB7-0BE5-400D-824A-576533BB8C74}"/>
+                <a16:creationId xmlns:a16="http://schemas.microsoft.com/office/drawing/2014/main" id="{CE0CCCB1-42F9-4972-B9FD-97F27DB9D560}"/>
               </a:ext>
             </a:extLst>
           </p:cNvPr>
@@ -16146,7 +16138,7 @@
           <p:cNvPr id="14" name="テキスト プレースホルダー 13">
             <a:extLst>
               <a:ext uri="{FF2B5EF4-FFF2-40B4-BE49-F238E27FC236}">
-                <a16:creationId xmlns:a16="http://schemas.microsoft.com/office/drawing/2014/main" id="{6BECF2AE-FE12-4AA0-802C-05A440B71F26}"/>
+                <a16:creationId xmlns:a16="http://schemas.microsoft.com/office/drawing/2014/main" id="{DF1BADA8-230D-4030-A402-506511BA071E}"/>
               </a:ext>
             </a:extLst>
           </p:cNvPr>
@@ -16261,7 +16253,7 @@
     </p:spTree>
     <p:extLst>
       <p:ext uri="{BB962C8B-B14F-4D97-AF65-F5344CB8AC3E}">
-        <p14:creationId xmlns:p14="http://schemas.microsoft.com/office/powerpoint/2010/main" val="3060586549"/>
+        <p14:creationId xmlns:p14="http://schemas.microsoft.com/office/powerpoint/2010/main" val="1580791031"/>
       </p:ext>
     </p:extLst>
   </p:cSld>
@@ -16312,7 +16304,7 @@
             <a:pPr rtl="0"/>
             <a:r>
               <a:rPr lang="ja-JP" altLang="en-US" dirty="0"/>
-              <a:t>アプリ開発</a:t>
+              <a:t>データ連携</a:t>
             </a:r>
           </a:p>
         </p:txBody>
@@ -16336,7 +16328,7 @@
         <p:spPr/>
         <p:txBody>
           <a:bodyPr>
-            <a:normAutofit fontScale="92500"/>
+            <a:normAutofit fontScale="70000" lnSpcReduction="20000"/>
           </a:bodyPr>
           <a:lstStyle/>
           <a:p>
@@ -16346,7 +16338,15 @@
             </a:r>
             <a:r>
               <a:rPr lang="ja-JP" altLang="en-US" dirty="0"/>
-              <a:t> 編集画面での開発</a:t>
+              <a:t> に </a:t>
+            </a:r>
+            <a:r>
+              <a:rPr lang="en-US" altLang="ja-JP" dirty="0"/>
+              <a:t>OneDrive</a:t>
+            </a:r>
+            <a:r>
+              <a:rPr lang="ja-JP" altLang="en-US" dirty="0"/>
+              <a:t>上のファイルからデータを取得して表示</a:t>
             </a:r>
           </a:p>
         </p:txBody>
@@ -16356,7 +16356,7 @@
           <p:cNvPr id="3" name="テキスト プレースホルダー 2">
             <a:extLst>
               <a:ext uri="{FF2B5EF4-FFF2-40B4-BE49-F238E27FC236}">
-                <a16:creationId xmlns:a16="http://schemas.microsoft.com/office/drawing/2014/main" id="{FA6905B5-D67B-4763-ABF8-071AD725AD67}"/>
+                <a16:creationId xmlns:a16="http://schemas.microsoft.com/office/drawing/2014/main" id="{B380C9BE-5D01-48A9-BEB4-112B0100334F}"/>
               </a:ext>
             </a:extLst>
           </p:cNvPr>
@@ -16381,7 +16381,7 @@
           <p:cNvPr id="2" name="テキスト プレースホルダー 1">
             <a:extLst>
               <a:ext uri="{FF2B5EF4-FFF2-40B4-BE49-F238E27FC236}">
-                <a16:creationId xmlns:a16="http://schemas.microsoft.com/office/drawing/2014/main" id="{CAD951B9-50AE-4F7D-8BE4-502FE17DF81D}"/>
+                <a16:creationId xmlns:a16="http://schemas.microsoft.com/office/drawing/2014/main" id="{EB654DB7-0BE5-400D-824A-576533BB8C74}"/>
               </a:ext>
             </a:extLst>
           </p:cNvPr>
@@ -16406,7 +16406,7 @@
           <p:cNvPr id="14" name="テキスト プレースホルダー 13">
             <a:extLst>
               <a:ext uri="{FF2B5EF4-FFF2-40B4-BE49-F238E27FC236}">
-                <a16:creationId xmlns:a16="http://schemas.microsoft.com/office/drawing/2014/main" id="{4583DAA6-4AD6-4BD3-A920-B0538140F859}"/>
+                <a16:creationId xmlns:a16="http://schemas.microsoft.com/office/drawing/2014/main" id="{6BECF2AE-FE12-4AA0-802C-05A440B71F26}"/>
               </a:ext>
             </a:extLst>
           </p:cNvPr>
@@ -16521,7 +16521,7 @@
     </p:spTree>
     <p:extLst>
       <p:ext uri="{BB962C8B-B14F-4D97-AF65-F5344CB8AC3E}">
-        <p14:creationId xmlns:p14="http://schemas.microsoft.com/office/powerpoint/2010/main" val="359653046"/>
+        <p14:creationId xmlns:p14="http://schemas.microsoft.com/office/powerpoint/2010/main" val="3060586549"/>
       </p:ext>
     </p:extLst>
   </p:cSld>
@@ -16550,10 +16550,10 @@
       </p:grpSpPr>
       <p:sp>
         <p:nvSpPr>
-          <p:cNvPr id="10" name="タイトル 9">
-            <a:extLst>
-              <a:ext uri="{FF2B5EF4-FFF2-40B4-BE49-F238E27FC236}">
-                <a16:creationId xmlns:a16="http://schemas.microsoft.com/office/drawing/2014/main" id="{64A4B342-48B7-4AB8-9C15-AF086AA050A6}"/>
+          <p:cNvPr id="7" name="タイトル 6">
+            <a:extLst>
+              <a:ext uri="{FF2B5EF4-FFF2-40B4-BE49-F238E27FC236}">
+                <a16:creationId xmlns:a16="http://schemas.microsoft.com/office/drawing/2014/main" id="{C08D9981-4117-4D26-8912-5449C639A2D5}"/>
               </a:ext>
             </a:extLst>
           </p:cNvPr>
@@ -16569,19 +16569,20 @@
           <a:bodyPr/>
           <a:lstStyle/>
           <a:p>
+            <a:pPr rtl="0"/>
             <a:r>
               <a:rPr lang="ja-JP" altLang="en-US" dirty="0"/>
-              <a:t>アプリ開発２</a:t>
-            </a:r>
-          </a:p>
-        </p:txBody>
-      </p:sp>
-      <p:sp>
-        <p:nvSpPr>
-          <p:cNvPr id="11" name="テキスト プレースホルダー 10">
-            <a:extLst>
-              <a:ext uri="{FF2B5EF4-FFF2-40B4-BE49-F238E27FC236}">
-                <a16:creationId xmlns:a16="http://schemas.microsoft.com/office/drawing/2014/main" id="{B4A2206F-7FA1-44E2-8665-76C328E556B2}"/>
+              <a:t>アプリ開発</a:t>
+            </a:r>
+          </a:p>
+        </p:txBody>
+      </p:sp>
+      <p:sp>
+        <p:nvSpPr>
+          <p:cNvPr id="8" name="テキスト プレースホルダー 7">
+            <a:extLst>
+              <a:ext uri="{FF2B5EF4-FFF2-40B4-BE49-F238E27FC236}">
+                <a16:creationId xmlns:a16="http://schemas.microsoft.com/office/drawing/2014/main" id="{B89BF053-CEC0-4335-B971-274E4ECCF95D}"/>
               </a:ext>
             </a:extLst>
           </p:cNvPr>
@@ -16590,6 +16591,40 @@
           </p:cNvSpPr>
           <p:nvPr>
             <p:ph type="body" sz="quarter" idx="13"/>
+          </p:nvPr>
+        </p:nvSpPr>
+        <p:spPr/>
+        <p:txBody>
+          <a:bodyPr>
+            <a:normAutofit fontScale="92500"/>
+          </a:bodyPr>
+          <a:lstStyle/>
+          <a:p>
+            <a:r>
+              <a:rPr lang="en-US" altLang="ja-JP" dirty="0"/>
+              <a:t>Power Apps</a:t>
+            </a:r>
+            <a:r>
+              <a:rPr lang="ja-JP" altLang="en-US" dirty="0"/>
+              <a:t> 編集画面での開発</a:t>
+            </a:r>
+          </a:p>
+        </p:txBody>
+      </p:sp>
+      <p:sp>
+        <p:nvSpPr>
+          <p:cNvPr id="3" name="テキスト プレースホルダー 2">
+            <a:extLst>
+              <a:ext uri="{FF2B5EF4-FFF2-40B4-BE49-F238E27FC236}">
+                <a16:creationId xmlns:a16="http://schemas.microsoft.com/office/drawing/2014/main" id="{FA6905B5-D67B-4763-ABF8-071AD725AD67}"/>
+              </a:ext>
+            </a:extLst>
+          </p:cNvPr>
+          <p:cNvSpPr>
+            <a:spLocks noGrp="1"/>
+          </p:cNvSpPr>
+          <p:nvPr>
+            <p:ph type="body" sz="quarter" idx="16"/>
           </p:nvPr>
         </p:nvSpPr>
         <p:spPr/>
@@ -16597,27 +16632,24 @@
           <a:bodyPr/>
           <a:lstStyle/>
           <a:p>
-            <a:r>
-              <a:rPr lang="ja-JP" altLang="en-US" dirty="0"/>
-              <a:t>プレビュー機能の確認</a:t>
-            </a:r>
-          </a:p>
-        </p:txBody>
-      </p:sp>
-      <p:sp>
-        <p:nvSpPr>
-          <p:cNvPr id="12" name="テキスト プレースホルダー 11">
-            <a:extLst>
-              <a:ext uri="{FF2B5EF4-FFF2-40B4-BE49-F238E27FC236}">
-                <a16:creationId xmlns:a16="http://schemas.microsoft.com/office/drawing/2014/main" id="{A5B72FB4-60D4-4C14-8180-F4969246A155}"/>
-              </a:ext>
-            </a:extLst>
-          </p:cNvPr>
-          <p:cNvSpPr>
-            <a:spLocks noGrp="1"/>
-          </p:cNvSpPr>
-          <p:nvPr>
-            <p:ph type="body" sz="quarter" idx="16"/>
+            <a:endParaRPr lang="ja-JP" altLang="en-US"/>
+          </a:p>
+        </p:txBody>
+      </p:sp>
+      <p:sp>
+        <p:nvSpPr>
+          <p:cNvPr id="2" name="テキスト プレースホルダー 1">
+            <a:extLst>
+              <a:ext uri="{FF2B5EF4-FFF2-40B4-BE49-F238E27FC236}">
+                <a16:creationId xmlns:a16="http://schemas.microsoft.com/office/drawing/2014/main" id="{CAD951B9-50AE-4F7D-8BE4-502FE17DF81D}"/>
+              </a:ext>
+            </a:extLst>
+          </p:cNvPr>
+          <p:cNvSpPr>
+            <a:spLocks noGrp="1"/>
+          </p:cNvSpPr>
+          <p:nvPr>
+            <p:ph type="body" sz="quarter" idx="15"/>
           </p:nvPr>
         </p:nvSpPr>
         <p:spPr/>
@@ -16631,10 +16663,10 @@
       </p:sp>
       <p:sp>
         <p:nvSpPr>
-          <p:cNvPr id="13" name="テキスト プレースホルダー 12">
-            <a:extLst>
-              <a:ext uri="{FF2B5EF4-FFF2-40B4-BE49-F238E27FC236}">
-                <a16:creationId xmlns:a16="http://schemas.microsoft.com/office/drawing/2014/main" id="{987CCC46-B498-45AC-AC53-F0160196F1F6}"/>
+          <p:cNvPr id="14" name="テキスト プレースホルダー 13">
+            <a:extLst>
+              <a:ext uri="{FF2B5EF4-FFF2-40B4-BE49-F238E27FC236}">
+                <a16:creationId xmlns:a16="http://schemas.microsoft.com/office/drawing/2014/main" id="{4583DAA6-4AD6-4BD3-A920-B0538140F859}"/>
               </a:ext>
             </a:extLst>
           </p:cNvPr>
@@ -16643,36 +16675,6 @@
           </p:cNvSpPr>
           <p:nvPr>
             <p:ph type="body" sz="quarter" idx="17"/>
-          </p:nvPr>
-        </p:nvSpPr>
-        <p:spPr/>
-        <p:txBody>
-          <a:bodyPr>
-            <a:normAutofit/>
-          </a:bodyPr>
-          <a:lstStyle/>
-          <a:p>
-            <a:r>
-              <a:rPr lang="ja-JP" altLang="en-US" dirty="0"/>
-              <a:t>プレビューでデータ編集</a:t>
-            </a:r>
-          </a:p>
-        </p:txBody>
-      </p:sp>
-      <p:sp>
-        <p:nvSpPr>
-          <p:cNvPr id="14" name="テキスト プレースホルダー 13">
-            <a:extLst>
-              <a:ext uri="{FF2B5EF4-FFF2-40B4-BE49-F238E27FC236}">
-                <a16:creationId xmlns:a16="http://schemas.microsoft.com/office/drawing/2014/main" id="{762F3B89-7DBB-4631-8D7F-43325D010F88}"/>
-              </a:ext>
-            </a:extLst>
-          </p:cNvPr>
-          <p:cNvSpPr>
-            <a:spLocks noGrp="1"/>
-          </p:cNvSpPr>
-          <p:nvPr>
-            <p:ph type="body" sz="quarter" idx="18"/>
           </p:nvPr>
         </p:nvSpPr>
         <p:spPr/>
@@ -16686,67 +16688,10 @@
       </p:sp>
       <p:sp>
         <p:nvSpPr>
-          <p:cNvPr id="15" name="テキスト プレースホルダー 14">
-            <a:extLst>
-              <a:ext uri="{FF2B5EF4-FFF2-40B4-BE49-F238E27FC236}">
-                <a16:creationId xmlns:a16="http://schemas.microsoft.com/office/drawing/2014/main" id="{EED00DAF-523C-4CF8-95F4-ADA6B677F921}"/>
-              </a:ext>
-            </a:extLst>
-          </p:cNvPr>
-          <p:cNvSpPr>
-            <a:spLocks noGrp="1"/>
-          </p:cNvSpPr>
-          <p:nvPr>
-            <p:ph type="body" sz="quarter" idx="19"/>
-          </p:nvPr>
-        </p:nvSpPr>
-        <p:spPr/>
-        <p:txBody>
-          <a:bodyPr/>
-          <a:lstStyle/>
-          <a:p>
-            <a:r>
-              <a:rPr lang="en-US" altLang="ja-JP" dirty="0"/>
-              <a:t>Excel ID</a:t>
-            </a:r>
-            <a:r>
-              <a:rPr lang="ja-JP" altLang="en-US" dirty="0"/>
-              <a:t>列の確認</a:t>
-            </a:r>
-          </a:p>
-        </p:txBody>
-      </p:sp>
-      <p:sp>
-        <p:nvSpPr>
-          <p:cNvPr id="16" name="テキスト プレースホルダー 15">
-            <a:extLst>
-              <a:ext uri="{FF2B5EF4-FFF2-40B4-BE49-F238E27FC236}">
-                <a16:creationId xmlns:a16="http://schemas.microsoft.com/office/drawing/2014/main" id="{97BC8A96-84DA-4940-BA37-59434FAC3EB3}"/>
-              </a:ext>
-            </a:extLst>
-          </p:cNvPr>
-          <p:cNvSpPr>
-            <a:spLocks noGrp="1"/>
-          </p:cNvSpPr>
-          <p:nvPr>
-            <p:ph type="body" sz="quarter" idx="20"/>
-          </p:nvPr>
-        </p:nvSpPr>
-        <p:spPr/>
-        <p:txBody>
-          <a:bodyPr/>
-          <a:lstStyle/>
-          <a:p>
-            <a:endParaRPr lang="ja-JP" altLang="en-US"/>
-          </a:p>
-        </p:txBody>
-      </p:sp>
-      <p:sp>
-        <p:nvSpPr>
-          <p:cNvPr id="7" name="スライド番号プレースホルダー 6">
-            <a:extLst>
-              <a:ext uri="{FF2B5EF4-FFF2-40B4-BE49-F238E27FC236}">
-                <a16:creationId xmlns:a16="http://schemas.microsoft.com/office/drawing/2014/main" id="{E8A3FA02-B756-4AD5-9115-E07ECEBD566E}"/>
+          <p:cNvPr id="4" name="スライド番号プレースホルダー 3">
+            <a:extLst>
+              <a:ext uri="{FF2B5EF4-FFF2-40B4-BE49-F238E27FC236}">
+                <a16:creationId xmlns:a16="http://schemas.microsoft.com/office/drawing/2014/main" id="{0925503C-A4EA-438A-9E76-E48C3BD2FB49}"/>
               </a:ext>
             </a:extLst>
           </p:cNvPr>
@@ -16767,16 +16712,16 @@
               <a:pPr/>
               <a:t>13</a:t>
             </a:fld>
-            <a:endParaRPr lang="ja-JP" altLang="en-US"/>
-          </a:p>
-        </p:txBody>
-      </p:sp>
-      <p:sp>
-        <p:nvSpPr>
-          <p:cNvPr id="8" name="フッター プレースホルダー 7">
-            <a:extLst>
-              <a:ext uri="{FF2B5EF4-FFF2-40B4-BE49-F238E27FC236}">
-                <a16:creationId xmlns:a16="http://schemas.microsoft.com/office/drawing/2014/main" id="{52F67AB9-53D5-4BDB-953C-27800699EEA1}"/>
+            <a:endParaRPr lang="ja-JP" altLang="en-US" dirty="0"/>
+          </a:p>
+        </p:txBody>
+      </p:sp>
+      <p:sp>
+        <p:nvSpPr>
+          <p:cNvPr id="5" name="フッター プレースホルダー 4">
+            <a:extLst>
+              <a:ext uri="{FF2B5EF4-FFF2-40B4-BE49-F238E27FC236}">
+                <a16:creationId xmlns:a16="http://schemas.microsoft.com/office/drawing/2014/main" id="{9FF92ED3-E37C-4BE3-99E5-CED390F90441}"/>
               </a:ext>
             </a:extLst>
           </p:cNvPr>
@@ -16806,10 +16751,10 @@
       </p:sp>
       <p:sp>
         <p:nvSpPr>
-          <p:cNvPr id="9" name="日付プレースホルダー 8">
-            <a:extLst>
-              <a:ext uri="{FF2B5EF4-FFF2-40B4-BE49-F238E27FC236}">
-                <a16:creationId xmlns:a16="http://schemas.microsoft.com/office/drawing/2014/main" id="{99B67E4B-AC40-4ADC-ACE2-B90065844DAD}"/>
+          <p:cNvPr id="6" name="日付プレースホルダー 5">
+            <a:extLst>
+              <a:ext uri="{FF2B5EF4-FFF2-40B4-BE49-F238E27FC236}">
+                <a16:creationId xmlns:a16="http://schemas.microsoft.com/office/drawing/2014/main" id="{A5306110-8515-4AE4-AD58-8C305B1C36E3}"/>
               </a:ext>
             </a:extLst>
           </p:cNvPr>
@@ -16836,7 +16781,7 @@
     </p:spTree>
     <p:extLst>
       <p:ext uri="{BB962C8B-B14F-4D97-AF65-F5344CB8AC3E}">
-        <p14:creationId xmlns:p14="http://schemas.microsoft.com/office/powerpoint/2010/main" val="2686631175"/>
+        <p14:creationId xmlns:p14="http://schemas.microsoft.com/office/powerpoint/2010/main" val="359653046"/>
       </p:ext>
     </p:extLst>
   </p:cSld>
@@ -16886,7 +16831,7 @@
           <a:p>
             <a:r>
               <a:rPr lang="ja-JP" altLang="en-US" dirty="0"/>
-              <a:t>アプリ開発３</a:t>
+              <a:t>アプリ開発２</a:t>
             </a:r>
           </a:p>
         </p:txBody>
@@ -16914,21 +16859,8 @@
           <a:p>
             <a:r>
               <a:rPr lang="ja-JP" altLang="en-US" dirty="0"/>
-              <a:t>開発中央</a:t>
-            </a:r>
-            <a:r>
-              <a:rPr lang="en-US" altLang="ja-JP" dirty="0"/>
-              <a:t>(</a:t>
-            </a:r>
-            <a:r>
-              <a:rPr lang="ja-JP" altLang="en-US" dirty="0"/>
-              <a:t>メイン</a:t>
-            </a:r>
-            <a:r>
-              <a:rPr lang="en-US" altLang="ja-JP" dirty="0"/>
-              <a:t>)</a:t>
-            </a:r>
-            <a:endParaRPr lang="ja-JP" altLang="en-US" dirty="0"/>
+              <a:t>プレビュー機能の確認</a:t>
+            </a:r>
           </a:p>
         </p:txBody>
       </p:sp>
@@ -16982,21 +16914,8 @@
           <a:p>
             <a:r>
               <a:rPr lang="ja-JP" altLang="en-US" dirty="0"/>
-              <a:t>開発上部</a:t>
-            </a:r>
-            <a:r>
-              <a:rPr lang="en-US" altLang="ja-JP" dirty="0"/>
-              <a:t>(</a:t>
-            </a:r>
-            <a:r>
-              <a:rPr lang="ja-JP" altLang="en-US" dirty="0"/>
-              <a:t>ツールバー</a:t>
-            </a:r>
-            <a:r>
-              <a:rPr lang="en-US" altLang="ja-JP" dirty="0"/>
-              <a:t>)</a:t>
-            </a:r>
-            <a:endParaRPr lang="ja-JP" altLang="en-US" dirty="0"/>
+              <a:t>プレビューでデータ編集</a:t>
+            </a:r>
           </a:p>
         </p:txBody>
       </p:sp>
@@ -17047,22 +16966,13 @@
           <a:lstStyle/>
           <a:p>
             <a:r>
+              <a:rPr lang="en-US" altLang="ja-JP" dirty="0"/>
+              <a:t>Excel ID</a:t>
+            </a:r>
+            <a:r>
               <a:rPr lang="ja-JP" altLang="en-US" dirty="0"/>
-              <a:t>開発右</a:t>
-            </a:r>
-            <a:r>
-              <a:rPr lang="en-US" altLang="ja-JP" dirty="0"/>
-              <a:t>(</a:t>
-            </a:r>
-            <a:r>
-              <a:rPr lang="ja-JP" altLang="en-US" dirty="0"/>
-              <a:t>プロパティ</a:t>
-            </a:r>
-            <a:r>
-              <a:rPr lang="en-US" altLang="ja-JP" dirty="0"/>
-              <a:t>)</a:t>
-            </a:r>
-            <a:endParaRPr lang="ja-JP" altLang="en-US" dirty="0"/>
+              <a:t>列の確認</a:t>
+            </a:r>
           </a:p>
         </p:txBody>
       </p:sp>
@@ -17186,7 +17096,7 @@
     </p:spTree>
     <p:extLst>
       <p:ext uri="{BB962C8B-B14F-4D97-AF65-F5344CB8AC3E}">
-        <p14:creationId xmlns:p14="http://schemas.microsoft.com/office/powerpoint/2010/main" val="3072544450"/>
+        <p14:creationId xmlns:p14="http://schemas.microsoft.com/office/powerpoint/2010/main" val="2686631175"/>
       </p:ext>
     </p:extLst>
   </p:cSld>
@@ -17215,10 +17125,10 @@
       </p:grpSpPr>
       <p:sp>
         <p:nvSpPr>
-          <p:cNvPr id="7" name="タイトル 6">
-            <a:extLst>
-              <a:ext uri="{FF2B5EF4-FFF2-40B4-BE49-F238E27FC236}">
-                <a16:creationId xmlns:a16="http://schemas.microsoft.com/office/drawing/2014/main" id="{C08D9981-4117-4D26-8912-5449C639A2D5}"/>
+          <p:cNvPr id="10" name="タイトル 9">
+            <a:extLst>
+              <a:ext uri="{FF2B5EF4-FFF2-40B4-BE49-F238E27FC236}">
+                <a16:creationId xmlns:a16="http://schemas.microsoft.com/office/drawing/2014/main" id="{64A4B342-48B7-4AB8-9C15-AF086AA050A6}"/>
               </a:ext>
             </a:extLst>
           </p:cNvPr>
@@ -17236,17 +17146,17 @@
           <a:p>
             <a:r>
               <a:rPr lang="ja-JP" altLang="en-US" dirty="0"/>
-              <a:t>アプリ開発４</a:t>
-            </a:r>
-          </a:p>
-        </p:txBody>
-      </p:sp>
-      <p:sp>
-        <p:nvSpPr>
-          <p:cNvPr id="8" name="テキスト プレースホルダー 7">
-            <a:extLst>
-              <a:ext uri="{FF2B5EF4-FFF2-40B4-BE49-F238E27FC236}">
-                <a16:creationId xmlns:a16="http://schemas.microsoft.com/office/drawing/2014/main" id="{B89BF053-CEC0-4335-B971-274E4ECCF95D}"/>
+              <a:t>アプリ開発３</a:t>
+            </a:r>
+          </a:p>
+        </p:txBody>
+      </p:sp>
+      <p:sp>
+        <p:nvSpPr>
+          <p:cNvPr id="11" name="テキスト プレースホルダー 10">
+            <a:extLst>
+              <a:ext uri="{FF2B5EF4-FFF2-40B4-BE49-F238E27FC236}">
+                <a16:creationId xmlns:a16="http://schemas.microsoft.com/office/drawing/2014/main" id="{B4A2206F-7FA1-44E2-8665-76C328E556B2}"/>
               </a:ext>
             </a:extLst>
           </p:cNvPr>
@@ -17264,17 +17174,30 @@
           <a:p>
             <a:r>
               <a:rPr lang="ja-JP" altLang="en-US" dirty="0"/>
-              <a:t>基本画面</a:t>
-            </a:r>
-          </a:p>
-        </p:txBody>
-      </p:sp>
-      <p:sp>
-        <p:nvSpPr>
-          <p:cNvPr id="3" name="テキスト プレースホルダー 2">
-            <a:extLst>
-              <a:ext uri="{FF2B5EF4-FFF2-40B4-BE49-F238E27FC236}">
-                <a16:creationId xmlns:a16="http://schemas.microsoft.com/office/drawing/2014/main" id="{4E60C415-05FA-4A93-9939-4D70FD5F3710}"/>
+              <a:t>開発中央</a:t>
+            </a:r>
+            <a:r>
+              <a:rPr lang="en-US" altLang="ja-JP" dirty="0"/>
+              <a:t>(</a:t>
+            </a:r>
+            <a:r>
+              <a:rPr lang="ja-JP" altLang="en-US" dirty="0"/>
+              <a:t>メイン</a:t>
+            </a:r>
+            <a:r>
+              <a:rPr lang="en-US" altLang="ja-JP" dirty="0"/>
+              <a:t>)</a:t>
+            </a:r>
+            <a:endParaRPr lang="ja-JP" altLang="en-US" dirty="0"/>
+          </a:p>
+        </p:txBody>
+      </p:sp>
+      <p:sp>
+        <p:nvSpPr>
+          <p:cNvPr id="12" name="テキスト プレースホルダー 11">
+            <a:extLst>
+              <a:ext uri="{FF2B5EF4-FFF2-40B4-BE49-F238E27FC236}">
+                <a16:creationId xmlns:a16="http://schemas.microsoft.com/office/drawing/2014/main" id="{A5B72FB4-60D4-4C14-8180-F4969246A155}"/>
               </a:ext>
             </a:extLst>
           </p:cNvPr>
@@ -17296,18 +17219,61 @@
       </p:sp>
       <p:sp>
         <p:nvSpPr>
-          <p:cNvPr id="2" name="テキスト プレースホルダー 1">
-            <a:extLst>
-              <a:ext uri="{FF2B5EF4-FFF2-40B4-BE49-F238E27FC236}">
-                <a16:creationId xmlns:a16="http://schemas.microsoft.com/office/drawing/2014/main" id="{143F7270-DA50-4B23-91FA-ACEE5B0DF2BD}"/>
-              </a:ext>
-            </a:extLst>
-          </p:cNvPr>
-          <p:cNvSpPr>
-            <a:spLocks noGrp="1"/>
-          </p:cNvSpPr>
-          <p:nvPr>
-            <p:ph type="body" sz="quarter" idx="15"/>
+          <p:cNvPr id="13" name="テキスト プレースホルダー 12">
+            <a:extLst>
+              <a:ext uri="{FF2B5EF4-FFF2-40B4-BE49-F238E27FC236}">
+                <a16:creationId xmlns:a16="http://schemas.microsoft.com/office/drawing/2014/main" id="{987CCC46-B498-45AC-AC53-F0160196F1F6}"/>
+              </a:ext>
+            </a:extLst>
+          </p:cNvPr>
+          <p:cNvSpPr>
+            <a:spLocks noGrp="1"/>
+          </p:cNvSpPr>
+          <p:nvPr>
+            <p:ph type="body" sz="quarter" idx="17"/>
+          </p:nvPr>
+        </p:nvSpPr>
+        <p:spPr/>
+        <p:txBody>
+          <a:bodyPr>
+            <a:normAutofit/>
+          </a:bodyPr>
+          <a:lstStyle/>
+          <a:p>
+            <a:r>
+              <a:rPr lang="ja-JP" altLang="en-US" dirty="0"/>
+              <a:t>開発上部</a:t>
+            </a:r>
+            <a:r>
+              <a:rPr lang="en-US" altLang="ja-JP" dirty="0"/>
+              <a:t>(</a:t>
+            </a:r>
+            <a:r>
+              <a:rPr lang="ja-JP" altLang="en-US" dirty="0"/>
+              <a:t>ツールバー</a:t>
+            </a:r>
+            <a:r>
+              <a:rPr lang="en-US" altLang="ja-JP" dirty="0"/>
+              <a:t>)</a:t>
+            </a:r>
+            <a:endParaRPr lang="ja-JP" altLang="en-US" dirty="0"/>
+          </a:p>
+        </p:txBody>
+      </p:sp>
+      <p:sp>
+        <p:nvSpPr>
+          <p:cNvPr id="14" name="テキスト プレースホルダー 13">
+            <a:extLst>
+              <a:ext uri="{FF2B5EF4-FFF2-40B4-BE49-F238E27FC236}">
+                <a16:creationId xmlns:a16="http://schemas.microsoft.com/office/drawing/2014/main" id="{762F3B89-7DBB-4631-8D7F-43325D010F88}"/>
+              </a:ext>
+            </a:extLst>
+          </p:cNvPr>
+          <p:cNvSpPr>
+            <a:spLocks noGrp="1"/>
+          </p:cNvSpPr>
+          <p:nvPr>
+            <p:ph type="body" sz="quarter" idx="18"/>
           </p:nvPr>
         </p:nvSpPr>
         <p:spPr/>
@@ -17315,27 +17281,24 @@
           <a:bodyPr/>
           <a:lstStyle/>
           <a:p>
-            <a:r>
-              <a:rPr lang="ja-JP" altLang="en-US" dirty="0"/>
-              <a:t>詳細画面</a:t>
-            </a:r>
-          </a:p>
-        </p:txBody>
-      </p:sp>
-      <p:sp>
-        <p:nvSpPr>
-          <p:cNvPr id="14" name="テキスト プレースホルダー 13">
-            <a:extLst>
-              <a:ext uri="{FF2B5EF4-FFF2-40B4-BE49-F238E27FC236}">
-                <a16:creationId xmlns:a16="http://schemas.microsoft.com/office/drawing/2014/main" id="{A9A2FC21-5A10-4CFD-87D6-6CC6D8BDFA1B}"/>
-              </a:ext>
-            </a:extLst>
-          </p:cNvPr>
-          <p:cNvSpPr>
-            <a:spLocks noGrp="1"/>
-          </p:cNvSpPr>
-          <p:nvPr>
-            <p:ph type="body" sz="quarter" idx="17"/>
+            <a:endParaRPr lang="ja-JP" altLang="en-US"/>
+          </a:p>
+        </p:txBody>
+      </p:sp>
+      <p:sp>
+        <p:nvSpPr>
+          <p:cNvPr id="15" name="テキスト プレースホルダー 14">
+            <a:extLst>
+              <a:ext uri="{FF2B5EF4-FFF2-40B4-BE49-F238E27FC236}">
+                <a16:creationId xmlns:a16="http://schemas.microsoft.com/office/drawing/2014/main" id="{EED00DAF-523C-4CF8-95F4-ADA6B677F921}"/>
+              </a:ext>
+            </a:extLst>
+          </p:cNvPr>
+          <p:cNvSpPr>
+            <a:spLocks noGrp="1"/>
+          </p:cNvSpPr>
+          <p:nvPr>
+            <p:ph type="body" sz="quarter" idx="19"/>
           </p:nvPr>
         </p:nvSpPr>
         <p:spPr/>
@@ -17343,16 +17306,57 @@
           <a:bodyPr/>
           <a:lstStyle/>
           <a:p>
+            <a:r>
+              <a:rPr lang="ja-JP" altLang="en-US" dirty="0"/>
+              <a:t>開発右</a:t>
+            </a:r>
+            <a:r>
+              <a:rPr lang="en-US" altLang="ja-JP" dirty="0"/>
+              <a:t>(</a:t>
+            </a:r>
+            <a:r>
+              <a:rPr lang="ja-JP" altLang="en-US" dirty="0"/>
+              <a:t>プロパティ</a:t>
+            </a:r>
+            <a:r>
+              <a:rPr lang="en-US" altLang="ja-JP" dirty="0"/>
+              <a:t>)</a:t>
+            </a:r>
+            <a:endParaRPr lang="ja-JP" altLang="en-US" dirty="0"/>
+          </a:p>
+        </p:txBody>
+      </p:sp>
+      <p:sp>
+        <p:nvSpPr>
+          <p:cNvPr id="16" name="テキスト プレースホルダー 15">
+            <a:extLst>
+              <a:ext uri="{FF2B5EF4-FFF2-40B4-BE49-F238E27FC236}">
+                <a16:creationId xmlns:a16="http://schemas.microsoft.com/office/drawing/2014/main" id="{97BC8A96-84DA-4940-BA37-59434FAC3EB3}"/>
+              </a:ext>
+            </a:extLst>
+          </p:cNvPr>
+          <p:cNvSpPr>
+            <a:spLocks noGrp="1"/>
+          </p:cNvSpPr>
+          <p:nvPr>
+            <p:ph type="body" sz="quarter" idx="20"/>
+          </p:nvPr>
+        </p:nvSpPr>
+        <p:spPr/>
+        <p:txBody>
+          <a:bodyPr/>
+          <a:lstStyle/>
+          <a:p>
             <a:endParaRPr lang="ja-JP" altLang="en-US"/>
           </a:p>
         </p:txBody>
       </p:sp>
       <p:sp>
         <p:nvSpPr>
-          <p:cNvPr id="4" name="スライド番号プレースホルダー 3">
-            <a:extLst>
-              <a:ext uri="{FF2B5EF4-FFF2-40B4-BE49-F238E27FC236}">
-                <a16:creationId xmlns:a16="http://schemas.microsoft.com/office/drawing/2014/main" id="{0925503C-A4EA-438A-9E76-E48C3BD2FB49}"/>
+          <p:cNvPr id="7" name="スライド番号プレースホルダー 6">
+            <a:extLst>
+              <a:ext uri="{FF2B5EF4-FFF2-40B4-BE49-F238E27FC236}">
+                <a16:creationId xmlns:a16="http://schemas.microsoft.com/office/drawing/2014/main" id="{E8A3FA02-B756-4AD5-9115-E07ECEBD566E}"/>
               </a:ext>
             </a:extLst>
           </p:cNvPr>
@@ -17373,16 +17377,16 @@
               <a:pPr/>
               <a:t>15</a:t>
             </a:fld>
-            <a:endParaRPr lang="ja-JP" altLang="en-US" dirty="0"/>
-          </a:p>
-        </p:txBody>
-      </p:sp>
-      <p:sp>
-        <p:nvSpPr>
-          <p:cNvPr id="5" name="フッター プレースホルダー 4">
-            <a:extLst>
-              <a:ext uri="{FF2B5EF4-FFF2-40B4-BE49-F238E27FC236}">
-                <a16:creationId xmlns:a16="http://schemas.microsoft.com/office/drawing/2014/main" id="{9FF92ED3-E37C-4BE3-99E5-CED390F90441}"/>
+            <a:endParaRPr lang="ja-JP" altLang="en-US"/>
+          </a:p>
+        </p:txBody>
+      </p:sp>
+      <p:sp>
+        <p:nvSpPr>
+          <p:cNvPr id="8" name="フッター プレースホルダー 7">
+            <a:extLst>
+              <a:ext uri="{FF2B5EF4-FFF2-40B4-BE49-F238E27FC236}">
+                <a16:creationId xmlns:a16="http://schemas.microsoft.com/office/drawing/2014/main" id="{52F67AB9-53D5-4BDB-953C-27800699EEA1}"/>
               </a:ext>
             </a:extLst>
           </p:cNvPr>
@@ -17412,10 +17416,10 @@
       </p:sp>
       <p:sp>
         <p:nvSpPr>
-          <p:cNvPr id="6" name="日付プレースホルダー 5">
-            <a:extLst>
-              <a:ext uri="{FF2B5EF4-FFF2-40B4-BE49-F238E27FC236}">
-                <a16:creationId xmlns:a16="http://schemas.microsoft.com/office/drawing/2014/main" id="{A5306110-8515-4AE4-AD58-8C305B1C36E3}"/>
+          <p:cNvPr id="9" name="日付プレースホルダー 8">
+            <a:extLst>
+              <a:ext uri="{FF2B5EF4-FFF2-40B4-BE49-F238E27FC236}">
+                <a16:creationId xmlns:a16="http://schemas.microsoft.com/office/drawing/2014/main" id="{99B67E4B-AC40-4ADC-ACE2-B90065844DAD}"/>
               </a:ext>
             </a:extLst>
           </p:cNvPr>
@@ -17442,7 +17446,7 @@
     </p:spTree>
     <p:extLst>
       <p:ext uri="{BB962C8B-B14F-4D97-AF65-F5344CB8AC3E}">
-        <p14:creationId xmlns:p14="http://schemas.microsoft.com/office/powerpoint/2010/main" val="406154616"/>
+        <p14:creationId xmlns:p14="http://schemas.microsoft.com/office/powerpoint/2010/main" val="3072544450"/>
       </p:ext>
     </p:extLst>
   </p:cSld>
@@ -17492,7 +17496,7 @@
           <a:p>
             <a:r>
               <a:rPr lang="ja-JP" altLang="en-US" dirty="0"/>
-              <a:t>デザイン</a:t>
+              <a:t>アプリ開発４</a:t>
             </a:r>
           </a:p>
         </p:txBody>
@@ -17520,7 +17524,7 @@
           <a:p>
             <a:r>
               <a:rPr lang="ja-JP" altLang="en-US" dirty="0"/>
-              <a:t>デザインの調整</a:t>
+              <a:t>基本画面</a:t>
             </a:r>
           </a:p>
         </p:txBody>
@@ -17571,7 +17575,10 @@
           <a:bodyPr/>
           <a:lstStyle/>
           <a:p>
-            <a:endParaRPr lang="ja-JP" altLang="en-US"/>
+            <a:r>
+              <a:rPr lang="ja-JP" altLang="en-US" dirty="0"/>
+              <a:t>詳細画面</a:t>
+            </a:r>
           </a:p>
         </p:txBody>
       </p:sp>
@@ -17695,7 +17702,7 @@
     </p:spTree>
     <p:extLst>
       <p:ext uri="{BB962C8B-B14F-4D97-AF65-F5344CB8AC3E}">
-        <p14:creationId xmlns:p14="http://schemas.microsoft.com/office/powerpoint/2010/main" val="387123726"/>
+        <p14:creationId xmlns:p14="http://schemas.microsoft.com/office/powerpoint/2010/main" val="406154616"/>
       </p:ext>
     </p:extLst>
   </p:cSld>
@@ -17724,6 +17731,259 @@
       </p:grpSpPr>
       <p:sp>
         <p:nvSpPr>
+          <p:cNvPr id="7" name="タイトル 6">
+            <a:extLst>
+              <a:ext uri="{FF2B5EF4-FFF2-40B4-BE49-F238E27FC236}">
+                <a16:creationId xmlns:a16="http://schemas.microsoft.com/office/drawing/2014/main" id="{C08D9981-4117-4D26-8912-5449C639A2D5}"/>
+              </a:ext>
+            </a:extLst>
+          </p:cNvPr>
+          <p:cNvSpPr>
+            <a:spLocks noGrp="1"/>
+          </p:cNvSpPr>
+          <p:nvPr>
+            <p:ph type="title"/>
+          </p:nvPr>
+        </p:nvSpPr>
+        <p:spPr/>
+        <p:txBody>
+          <a:bodyPr/>
+          <a:lstStyle/>
+          <a:p>
+            <a:r>
+              <a:rPr lang="ja-JP" altLang="en-US" dirty="0"/>
+              <a:t>デザイン</a:t>
+            </a:r>
+          </a:p>
+        </p:txBody>
+      </p:sp>
+      <p:sp>
+        <p:nvSpPr>
+          <p:cNvPr id="8" name="テキスト プレースホルダー 7">
+            <a:extLst>
+              <a:ext uri="{FF2B5EF4-FFF2-40B4-BE49-F238E27FC236}">
+                <a16:creationId xmlns:a16="http://schemas.microsoft.com/office/drawing/2014/main" id="{B89BF053-CEC0-4335-B971-274E4ECCF95D}"/>
+              </a:ext>
+            </a:extLst>
+          </p:cNvPr>
+          <p:cNvSpPr>
+            <a:spLocks noGrp="1"/>
+          </p:cNvSpPr>
+          <p:nvPr>
+            <p:ph type="body" sz="quarter" idx="13"/>
+          </p:nvPr>
+        </p:nvSpPr>
+        <p:spPr/>
+        <p:txBody>
+          <a:bodyPr/>
+          <a:lstStyle/>
+          <a:p>
+            <a:r>
+              <a:rPr lang="ja-JP" altLang="en-US" dirty="0"/>
+              <a:t>デザインの調整</a:t>
+            </a:r>
+          </a:p>
+        </p:txBody>
+      </p:sp>
+      <p:sp>
+        <p:nvSpPr>
+          <p:cNvPr id="3" name="テキスト プレースホルダー 2">
+            <a:extLst>
+              <a:ext uri="{FF2B5EF4-FFF2-40B4-BE49-F238E27FC236}">
+                <a16:creationId xmlns:a16="http://schemas.microsoft.com/office/drawing/2014/main" id="{4E60C415-05FA-4A93-9939-4D70FD5F3710}"/>
+              </a:ext>
+            </a:extLst>
+          </p:cNvPr>
+          <p:cNvSpPr>
+            <a:spLocks noGrp="1"/>
+          </p:cNvSpPr>
+          <p:nvPr>
+            <p:ph type="body" sz="quarter" idx="16"/>
+          </p:nvPr>
+        </p:nvSpPr>
+        <p:spPr/>
+        <p:txBody>
+          <a:bodyPr/>
+          <a:lstStyle/>
+          <a:p>
+            <a:endParaRPr lang="ja-JP" altLang="en-US"/>
+          </a:p>
+        </p:txBody>
+      </p:sp>
+      <p:sp>
+        <p:nvSpPr>
+          <p:cNvPr id="2" name="テキスト プレースホルダー 1">
+            <a:extLst>
+              <a:ext uri="{FF2B5EF4-FFF2-40B4-BE49-F238E27FC236}">
+                <a16:creationId xmlns:a16="http://schemas.microsoft.com/office/drawing/2014/main" id="{143F7270-DA50-4B23-91FA-ACEE5B0DF2BD}"/>
+              </a:ext>
+            </a:extLst>
+          </p:cNvPr>
+          <p:cNvSpPr>
+            <a:spLocks noGrp="1"/>
+          </p:cNvSpPr>
+          <p:nvPr>
+            <p:ph type="body" sz="quarter" idx="15"/>
+          </p:nvPr>
+        </p:nvSpPr>
+        <p:spPr/>
+        <p:txBody>
+          <a:bodyPr/>
+          <a:lstStyle/>
+          <a:p>
+            <a:endParaRPr lang="ja-JP" altLang="en-US"/>
+          </a:p>
+        </p:txBody>
+      </p:sp>
+      <p:sp>
+        <p:nvSpPr>
+          <p:cNvPr id="14" name="テキスト プレースホルダー 13">
+            <a:extLst>
+              <a:ext uri="{FF2B5EF4-FFF2-40B4-BE49-F238E27FC236}">
+                <a16:creationId xmlns:a16="http://schemas.microsoft.com/office/drawing/2014/main" id="{A9A2FC21-5A10-4CFD-87D6-6CC6D8BDFA1B}"/>
+              </a:ext>
+            </a:extLst>
+          </p:cNvPr>
+          <p:cNvSpPr>
+            <a:spLocks noGrp="1"/>
+          </p:cNvSpPr>
+          <p:nvPr>
+            <p:ph type="body" sz="quarter" idx="17"/>
+          </p:nvPr>
+        </p:nvSpPr>
+        <p:spPr/>
+        <p:txBody>
+          <a:bodyPr/>
+          <a:lstStyle/>
+          <a:p>
+            <a:endParaRPr lang="ja-JP" altLang="en-US"/>
+          </a:p>
+        </p:txBody>
+      </p:sp>
+      <p:sp>
+        <p:nvSpPr>
+          <p:cNvPr id="4" name="スライド番号プレースホルダー 3">
+            <a:extLst>
+              <a:ext uri="{FF2B5EF4-FFF2-40B4-BE49-F238E27FC236}">
+                <a16:creationId xmlns:a16="http://schemas.microsoft.com/office/drawing/2014/main" id="{0925503C-A4EA-438A-9E76-E48C3BD2FB49}"/>
+              </a:ext>
+            </a:extLst>
+          </p:cNvPr>
+          <p:cNvSpPr>
+            <a:spLocks noGrp="1"/>
+          </p:cNvSpPr>
+          <p:nvPr>
+            <p:ph type="sldNum" sz="quarter" idx="12"/>
+          </p:nvPr>
+        </p:nvSpPr>
+        <p:spPr/>
+        <p:txBody>
+          <a:bodyPr/>
+          <a:lstStyle/>
+          <a:p>
+            <a:fld id="{7A9E80BB-C0DF-4F1B-8821-E3FD53412EFF}" type="slidenum">
+              <a:rPr lang="en-US" altLang="ja-JP" smtClean="0"/>
+              <a:pPr/>
+              <a:t>17</a:t>
+            </a:fld>
+            <a:endParaRPr lang="ja-JP" altLang="en-US" dirty="0"/>
+          </a:p>
+        </p:txBody>
+      </p:sp>
+      <p:sp>
+        <p:nvSpPr>
+          <p:cNvPr id="5" name="フッター プレースホルダー 4">
+            <a:extLst>
+              <a:ext uri="{FF2B5EF4-FFF2-40B4-BE49-F238E27FC236}">
+                <a16:creationId xmlns:a16="http://schemas.microsoft.com/office/drawing/2014/main" id="{9FF92ED3-E37C-4BE3-99E5-CED390F90441}"/>
+              </a:ext>
+            </a:extLst>
+          </p:cNvPr>
+          <p:cNvSpPr>
+            <a:spLocks noGrp="1"/>
+          </p:cNvSpPr>
+          <p:nvPr>
+            <p:ph type="ftr" sz="quarter" idx="11"/>
+          </p:nvPr>
+        </p:nvSpPr>
+        <p:spPr/>
+        <p:txBody>
+          <a:bodyPr/>
+          <a:lstStyle/>
+          <a:p>
+            <a:r>
+              <a:rPr lang="en-US" altLang="ja-JP"/>
+              <a:t>Power Apps</a:t>
+            </a:r>
+            <a:r>
+              <a:rPr lang="ja-JP" altLang="en-US"/>
+              <a:t> 入門</a:t>
+            </a:r>
+            <a:endParaRPr lang="ja-JP" altLang="en-US" dirty="0"/>
+          </a:p>
+        </p:txBody>
+      </p:sp>
+      <p:sp>
+        <p:nvSpPr>
+          <p:cNvPr id="6" name="日付プレースホルダー 5">
+            <a:extLst>
+              <a:ext uri="{FF2B5EF4-FFF2-40B4-BE49-F238E27FC236}">
+                <a16:creationId xmlns:a16="http://schemas.microsoft.com/office/drawing/2014/main" id="{A5306110-8515-4AE4-AD58-8C305B1C36E3}"/>
+              </a:ext>
+            </a:extLst>
+          </p:cNvPr>
+          <p:cNvSpPr>
+            <a:spLocks noGrp="1"/>
+          </p:cNvSpPr>
+          <p:nvPr>
+            <p:ph type="dt" sz="half" idx="10"/>
+          </p:nvPr>
+        </p:nvSpPr>
+        <p:spPr/>
+        <p:txBody>
+          <a:bodyPr/>
+          <a:lstStyle/>
+          <a:p>
+            <a:r>
+              <a:rPr lang="en-US" altLang="ja-JP"/>
+              <a:t>2022</a:t>
+            </a:r>
+            <a:endParaRPr lang="ja-JP" altLang="en-US" dirty="0"/>
+          </a:p>
+        </p:txBody>
+      </p:sp>
+    </p:spTree>
+    <p:extLst>
+      <p:ext uri="{BB962C8B-B14F-4D97-AF65-F5344CB8AC3E}">
+        <p14:creationId xmlns:p14="http://schemas.microsoft.com/office/powerpoint/2010/main" val="387123726"/>
+      </p:ext>
+    </p:extLst>
+  </p:cSld>
+  <p:clrMapOvr>
+    <a:masterClrMapping/>
+  </p:clrMapOvr>
+</p:sld>
+</file>
+
+<file path=ppt/slides/slide18.xml><?xml version="1.0" encoding="utf-8"?>
+<p:sld xmlns:a="http://schemas.openxmlformats.org/drawingml/2006/main" xmlns:r="http://schemas.openxmlformats.org/officeDocument/2006/relationships" xmlns:p="http://schemas.openxmlformats.org/presentationml/2006/main">
+  <p:cSld>
+    <p:spTree>
+      <p:nvGrpSpPr>
+        <p:cNvPr id="1" name=""/>
+        <p:cNvGrpSpPr/>
+        <p:nvPr/>
+      </p:nvGrpSpPr>
+      <p:grpSpPr>
+        <a:xfrm>
+          <a:off x="0" y="0"/>
+          <a:ext cx="0" cy="0"/>
+          <a:chOff x="0" y="0"/>
+          <a:chExt cx="0" cy="0"/>
+        </a:xfrm>
+      </p:grpSpPr>
+      <p:sp>
+        <p:nvSpPr>
           <p:cNvPr id="30" name="タイトル 29">
             <a:extLst>
               <a:ext uri="{FF2B5EF4-FFF2-40B4-BE49-F238E27FC236}">
@@ -17832,7 +18092,7 @@
             <a:fld id="{7A9E80BB-C0DF-4F1B-8821-E3FD53412EFF}" type="slidenum">
               <a:rPr lang="en-US" altLang="ja-JP" smtClean="0"/>
               <a:pPr rtl="0"/>
-              <a:t>17</a:t>
+              <a:t>18</a:t>
             </a:fld>
             <a:endParaRPr lang="ja-JP" altLang="en-US"/>
           </a:p>
@@ -18031,7 +18291,7 @@
 </p:sld>
 </file>
 
-<file path=ppt/slides/slide18.xml><?xml version="1.0" encoding="utf-8"?>
+<file path=ppt/slides/slide19.xml><?xml version="1.0" encoding="utf-8"?>
 <p:sld xmlns:a="http://schemas.openxmlformats.org/drawingml/2006/main" xmlns:r="http://schemas.openxmlformats.org/officeDocument/2006/relationships" xmlns:p="http://schemas.openxmlformats.org/presentationml/2006/main">
   <p:cSld>
     <p:spTree>
@@ -18204,7 +18464,7 @@
             <a:fld id="{7A9E80BB-C0DF-4F1B-8821-E3FD53412EFF}" type="slidenum">
               <a:rPr lang="en-US" altLang="ja-JP" smtClean="0"/>
               <a:pPr rtl="0"/>
-              <a:t>18</a:t>
+              <a:t>19</a:t>
             </a:fld>
             <a:endParaRPr lang="ja-JP" altLang="en-US"/>
           </a:p>
@@ -21364,10 +21624,10 @@
       </p:grpSpPr>
       <p:sp>
         <p:nvSpPr>
-          <p:cNvPr id="7" name="タイトル 6">
-            <a:extLst>
-              <a:ext uri="{FF2B5EF4-FFF2-40B4-BE49-F238E27FC236}">
-                <a16:creationId xmlns:a16="http://schemas.microsoft.com/office/drawing/2014/main" id="{C08D9981-4117-4D26-8912-5449C639A2D5}"/>
+          <p:cNvPr id="2" name="タイトル 1">
+            <a:extLst>
+              <a:ext uri="{FF2B5EF4-FFF2-40B4-BE49-F238E27FC236}">
+                <a16:creationId xmlns:a16="http://schemas.microsoft.com/office/drawing/2014/main" id="{95646B48-6E0D-4DCC-8AF5-2F2BA6556EDD}"/>
               </a:ext>
             </a:extLst>
           </p:cNvPr>
@@ -21384,26 +21644,26 @@
           <a:lstStyle/>
           <a:p>
             <a:r>
-              <a:rPr lang="ja-JP" altLang="en-US" dirty="0"/>
-              <a:t>アカウントの確認</a:t>
-            </a:r>
-          </a:p>
-        </p:txBody>
-      </p:sp>
-      <p:sp>
-        <p:nvSpPr>
-          <p:cNvPr id="8" name="テキスト プレースホルダー 7">
-            <a:extLst>
-              <a:ext uri="{FF2B5EF4-FFF2-40B4-BE49-F238E27FC236}">
-                <a16:creationId xmlns:a16="http://schemas.microsoft.com/office/drawing/2014/main" id="{B89BF053-CEC0-4335-B971-274E4ECCF95D}"/>
-              </a:ext>
-            </a:extLst>
-          </p:cNvPr>
-          <p:cNvSpPr>
-            <a:spLocks noGrp="1"/>
-          </p:cNvSpPr>
-          <p:nvPr>
-            <p:ph type="body" sz="quarter" idx="13"/>
+              <a:rPr kumimoji="1" lang="ja-JP" altLang="en-US" dirty="0"/>
+              <a:t>準備</a:t>
+            </a:r>
+          </a:p>
+        </p:txBody>
+      </p:sp>
+      <p:sp>
+        <p:nvSpPr>
+          <p:cNvPr id="3" name="コンテンツ プレースホルダー 2">
+            <a:extLst>
+              <a:ext uri="{FF2B5EF4-FFF2-40B4-BE49-F238E27FC236}">
+                <a16:creationId xmlns:a16="http://schemas.microsoft.com/office/drawing/2014/main" id="{C851A232-E32E-423B-B39B-F9BAF22A407D}"/>
+              </a:ext>
+            </a:extLst>
+          </p:cNvPr>
+          <p:cNvSpPr>
+            <a:spLocks noGrp="1"/>
+          </p:cNvSpPr>
+          <p:nvPr>
+            <p:ph sz="quarter" idx="15"/>
           </p:nvPr>
         </p:nvSpPr>
         <p:spPr/>
@@ -21412,99 +21672,20 @@
           <a:lstStyle/>
           <a:p>
             <a:r>
-              <a:rPr lang="en-US" altLang="ja-JP" dirty="0"/>
-              <a:t>Power Apps </a:t>
-            </a:r>
-            <a:r>
               <a:rPr lang="ja-JP" altLang="en-US" dirty="0"/>
-              <a:t>アカウント</a:t>
-            </a:r>
+              <a:t>以下リソースをダウンロードします。</a:t>
+            </a:r>
+            <a:endParaRPr kumimoji="1" lang="en-US" altLang="ja-JP" dirty="0"/>
+          </a:p>
+          <a:p>
             <a:endParaRPr lang="en-US" altLang="ja-JP" dirty="0"/>
           </a:p>
           <a:p>
-            <a:endParaRPr lang="ja-JP" altLang="en-US" dirty="0"/>
-          </a:p>
-        </p:txBody>
-      </p:sp>
-      <p:sp>
-        <p:nvSpPr>
-          <p:cNvPr id="16" name="テキスト プレースホルダー 15">
-            <a:extLst>
-              <a:ext uri="{FF2B5EF4-FFF2-40B4-BE49-F238E27FC236}">
-                <a16:creationId xmlns:a16="http://schemas.microsoft.com/office/drawing/2014/main" id="{ADB8519F-CD34-4030-A78B-21BB35BEB269}"/>
-              </a:ext>
-            </a:extLst>
-          </p:cNvPr>
-          <p:cNvSpPr>
-            <a:spLocks noGrp="1"/>
-          </p:cNvSpPr>
-          <p:nvPr>
-            <p:ph type="body" sz="quarter" idx="16"/>
-          </p:nvPr>
-        </p:nvSpPr>
-        <p:spPr/>
-        <p:txBody>
-          <a:bodyPr/>
-          <a:lstStyle/>
-          <a:p>
-            <a:endParaRPr lang="ja-JP" altLang="en-US"/>
-          </a:p>
-        </p:txBody>
-      </p:sp>
-      <p:sp>
-        <p:nvSpPr>
-          <p:cNvPr id="14" name="テキスト プレースホルダー 13">
-            <a:extLst>
-              <a:ext uri="{FF2B5EF4-FFF2-40B4-BE49-F238E27FC236}">
-                <a16:creationId xmlns:a16="http://schemas.microsoft.com/office/drawing/2014/main" id="{AE4D689E-70DC-4EAD-8065-8AA3E07BF0E5}"/>
-              </a:ext>
-            </a:extLst>
-          </p:cNvPr>
-          <p:cNvSpPr>
-            <a:spLocks noGrp="1"/>
-          </p:cNvSpPr>
-          <p:nvPr>
-            <p:ph type="body" sz="quarter" idx="15"/>
-          </p:nvPr>
-        </p:nvSpPr>
-        <p:spPr/>
-        <p:txBody>
-          <a:bodyPr/>
-          <a:lstStyle/>
-          <a:p>
-            <a:r>
-              <a:rPr lang="en-US" altLang="ja-JP" dirty="0"/>
-              <a:t>OneDrive</a:t>
-            </a:r>
-            <a:r>
-              <a:rPr lang="ja-JP" altLang="en-US" dirty="0"/>
-              <a:t>　アカウント</a:t>
-            </a:r>
-          </a:p>
-        </p:txBody>
-      </p:sp>
-      <p:sp>
-        <p:nvSpPr>
-          <p:cNvPr id="17" name="テキスト プレースホルダー 16">
-            <a:extLst>
-              <a:ext uri="{FF2B5EF4-FFF2-40B4-BE49-F238E27FC236}">
-                <a16:creationId xmlns:a16="http://schemas.microsoft.com/office/drawing/2014/main" id="{92CA3638-35AC-41E0-84F1-1FAD59F3B068}"/>
-              </a:ext>
-            </a:extLst>
-          </p:cNvPr>
-          <p:cNvSpPr>
-            <a:spLocks noGrp="1"/>
-          </p:cNvSpPr>
-          <p:nvPr>
-            <p:ph type="body" sz="quarter" idx="17"/>
-          </p:nvPr>
-        </p:nvSpPr>
-        <p:spPr/>
-        <p:txBody>
-          <a:bodyPr/>
-          <a:lstStyle/>
-          <a:p>
-            <a:endParaRPr lang="ja-JP" altLang="en-US"/>
+            <a:r>
+              <a:rPr kumimoji="1" lang="en-US" altLang="ja-JP" dirty="0"/>
+              <a:t>https://github.com/amatomi/powerapps_01.git</a:t>
+            </a:r>
+            <a:endParaRPr kumimoji="1" lang="ja-JP" altLang="en-US" dirty="0"/>
           </a:p>
         </p:txBody>
       </p:sp>
@@ -21513,7 +21694,7 @@
           <p:cNvPr id="4" name="スライド番号プレースホルダー 3">
             <a:extLst>
               <a:ext uri="{FF2B5EF4-FFF2-40B4-BE49-F238E27FC236}">
-                <a16:creationId xmlns:a16="http://schemas.microsoft.com/office/drawing/2014/main" id="{0925503C-A4EA-438A-9E76-E48C3BD2FB49}"/>
+                <a16:creationId xmlns:a16="http://schemas.microsoft.com/office/drawing/2014/main" id="{77CA8EB9-00D8-4063-82A0-50950D96FDAE}"/>
               </a:ext>
             </a:extLst>
           </p:cNvPr>
@@ -21543,7 +21724,7 @@
           <p:cNvPr id="5" name="フッター プレースホルダー 4">
             <a:extLst>
               <a:ext uri="{FF2B5EF4-FFF2-40B4-BE49-F238E27FC236}">
-                <a16:creationId xmlns:a16="http://schemas.microsoft.com/office/drawing/2014/main" id="{9FF92ED3-E37C-4BE3-99E5-CED390F90441}"/>
+                <a16:creationId xmlns:a16="http://schemas.microsoft.com/office/drawing/2014/main" id="{A2EAEA38-CE35-4C57-8EDF-8AB4C97F29E9}"/>
               </a:ext>
             </a:extLst>
           </p:cNvPr>
@@ -21576,7 +21757,7 @@
           <p:cNvPr id="6" name="日付プレースホルダー 5">
             <a:extLst>
               <a:ext uri="{FF2B5EF4-FFF2-40B4-BE49-F238E27FC236}">
-                <a16:creationId xmlns:a16="http://schemas.microsoft.com/office/drawing/2014/main" id="{A5306110-8515-4AE4-AD58-8C305B1C36E3}"/>
+                <a16:creationId xmlns:a16="http://schemas.microsoft.com/office/drawing/2014/main" id="{86CDAF65-EF8A-4E56-AD5E-12479025FB79}"/>
               </a:ext>
             </a:extLst>
           </p:cNvPr>
@@ -21603,7 +21784,7 @@
     </p:spTree>
     <p:extLst>
       <p:ext uri="{BB962C8B-B14F-4D97-AF65-F5344CB8AC3E}">
-        <p14:creationId xmlns:p14="http://schemas.microsoft.com/office/powerpoint/2010/main" val="3984288177"/>
+        <p14:creationId xmlns:p14="http://schemas.microsoft.com/office/powerpoint/2010/main" val="557101001"/>
       </p:ext>
     </p:extLst>
   </p:cSld>
@@ -21653,7 +21834,7 @@
           <a:p>
             <a:r>
               <a:rPr lang="ja-JP" altLang="en-US" dirty="0"/>
-              <a:t>データアップロード</a:t>
+              <a:t>アカウントの確認</a:t>
             </a:r>
           </a:p>
         </p:txBody>
@@ -21676,9 +21857,68 @@
         </p:nvSpPr>
         <p:spPr/>
         <p:txBody>
-          <a:bodyPr>
-            <a:normAutofit/>
-          </a:bodyPr>
+          <a:bodyPr/>
+          <a:lstStyle/>
+          <a:p>
+            <a:r>
+              <a:rPr lang="en-US" altLang="ja-JP" dirty="0"/>
+              <a:t>Power Apps </a:t>
+            </a:r>
+            <a:r>
+              <a:rPr lang="ja-JP" altLang="en-US" dirty="0"/>
+              <a:t>アカウント</a:t>
+            </a:r>
+            <a:endParaRPr lang="en-US" altLang="ja-JP" dirty="0"/>
+          </a:p>
+          <a:p>
+            <a:endParaRPr lang="ja-JP" altLang="en-US" dirty="0"/>
+          </a:p>
+        </p:txBody>
+      </p:sp>
+      <p:sp>
+        <p:nvSpPr>
+          <p:cNvPr id="16" name="テキスト プレースホルダー 15">
+            <a:extLst>
+              <a:ext uri="{FF2B5EF4-FFF2-40B4-BE49-F238E27FC236}">
+                <a16:creationId xmlns:a16="http://schemas.microsoft.com/office/drawing/2014/main" id="{ADB8519F-CD34-4030-A78B-21BB35BEB269}"/>
+              </a:ext>
+            </a:extLst>
+          </p:cNvPr>
+          <p:cNvSpPr>
+            <a:spLocks noGrp="1"/>
+          </p:cNvSpPr>
+          <p:nvPr>
+            <p:ph type="body" sz="quarter" idx="16"/>
+          </p:nvPr>
+        </p:nvSpPr>
+        <p:spPr/>
+        <p:txBody>
+          <a:bodyPr/>
+          <a:lstStyle/>
+          <a:p>
+            <a:endParaRPr lang="ja-JP" altLang="en-US"/>
+          </a:p>
+        </p:txBody>
+      </p:sp>
+      <p:sp>
+        <p:nvSpPr>
+          <p:cNvPr id="14" name="テキスト プレースホルダー 13">
+            <a:extLst>
+              <a:ext uri="{FF2B5EF4-FFF2-40B4-BE49-F238E27FC236}">
+                <a16:creationId xmlns:a16="http://schemas.microsoft.com/office/drawing/2014/main" id="{AE4D689E-70DC-4EAD-8065-8AA3E07BF0E5}"/>
+              </a:ext>
+            </a:extLst>
+          </p:cNvPr>
+          <p:cNvSpPr>
+            <a:spLocks noGrp="1"/>
+          </p:cNvSpPr>
+          <p:nvPr>
+            <p:ph type="body" sz="quarter" idx="15"/>
+          </p:nvPr>
+        </p:nvSpPr>
+        <p:spPr/>
+        <p:txBody>
+          <a:bodyPr/>
           <a:lstStyle/>
           <a:p>
             <a:r>
@@ -21687,67 +21927,17 @@
             </a:r>
             <a:r>
               <a:rPr lang="ja-JP" altLang="en-US" dirty="0"/>
-              <a:t>にデータをアップロード</a:t>
-            </a:r>
-          </a:p>
-        </p:txBody>
-      </p:sp>
-      <p:sp>
-        <p:nvSpPr>
-          <p:cNvPr id="3" name="テキスト プレースホルダー 2">
-            <a:extLst>
-              <a:ext uri="{FF2B5EF4-FFF2-40B4-BE49-F238E27FC236}">
-                <a16:creationId xmlns:a16="http://schemas.microsoft.com/office/drawing/2014/main" id="{773C9E61-883E-4272-BB3A-B0D8DEFAD52B}"/>
-              </a:ext>
-            </a:extLst>
-          </p:cNvPr>
-          <p:cNvSpPr>
-            <a:spLocks noGrp="1"/>
-          </p:cNvSpPr>
-          <p:nvPr>
-            <p:ph type="body" sz="quarter" idx="16"/>
-          </p:nvPr>
-        </p:nvSpPr>
-        <p:spPr/>
-        <p:txBody>
-          <a:bodyPr/>
-          <a:lstStyle/>
-          <a:p>
-            <a:endParaRPr lang="ja-JP" altLang="en-US"/>
-          </a:p>
-        </p:txBody>
-      </p:sp>
-      <p:sp>
-        <p:nvSpPr>
-          <p:cNvPr id="2" name="テキスト プレースホルダー 1">
-            <a:extLst>
-              <a:ext uri="{FF2B5EF4-FFF2-40B4-BE49-F238E27FC236}">
-                <a16:creationId xmlns:a16="http://schemas.microsoft.com/office/drawing/2014/main" id="{456F0AD3-1E1D-4C85-BAAB-9342BB67141D}"/>
-              </a:ext>
-            </a:extLst>
-          </p:cNvPr>
-          <p:cNvSpPr>
-            <a:spLocks noGrp="1"/>
-          </p:cNvSpPr>
-          <p:nvPr>
-            <p:ph type="body" sz="quarter" idx="15"/>
-          </p:nvPr>
-        </p:nvSpPr>
-        <p:spPr/>
-        <p:txBody>
-          <a:bodyPr/>
-          <a:lstStyle/>
-          <a:p>
-            <a:endParaRPr lang="ja-JP" altLang="en-US"/>
-          </a:p>
-        </p:txBody>
-      </p:sp>
-      <p:sp>
-        <p:nvSpPr>
-          <p:cNvPr id="14" name="テキスト プレースホルダー 13">
-            <a:extLst>
-              <a:ext uri="{FF2B5EF4-FFF2-40B4-BE49-F238E27FC236}">
-                <a16:creationId xmlns:a16="http://schemas.microsoft.com/office/drawing/2014/main" id="{D8F21E60-937B-4CA3-8C5C-F3CEA7B405FD}"/>
+              <a:t>　アカウント</a:t>
+            </a:r>
+          </a:p>
+        </p:txBody>
+      </p:sp>
+      <p:sp>
+        <p:nvSpPr>
+          <p:cNvPr id="17" name="テキスト プレースホルダー 16">
+            <a:extLst>
+              <a:ext uri="{FF2B5EF4-FFF2-40B4-BE49-F238E27FC236}">
+                <a16:creationId xmlns:a16="http://schemas.microsoft.com/office/drawing/2014/main" id="{92CA3638-35AC-41E0-84F1-1FAD59F3B068}"/>
               </a:ext>
             </a:extLst>
           </p:cNvPr>
@@ -21862,7 +22052,7 @@
     </p:spTree>
     <p:extLst>
       <p:ext uri="{BB962C8B-B14F-4D97-AF65-F5344CB8AC3E}">
-        <p14:creationId xmlns:p14="http://schemas.microsoft.com/office/powerpoint/2010/main" val="1977392785"/>
+        <p14:creationId xmlns:p14="http://schemas.microsoft.com/office/powerpoint/2010/main" val="3984288177"/>
       </p:ext>
     </p:extLst>
   </p:cSld>
@@ -22664,25 +22854,6 @@
 </file>
 
 <file path=customXml/item1.xml><?xml version="1.0" encoding="utf-8"?>
-<p:properties xmlns:p="http://schemas.microsoft.com/office/2006/metadata/properties" xmlns:xsi="http://www.w3.org/2001/XMLSchema-instance" xmlns:pc="http://schemas.microsoft.com/office/infopath/2007/PartnerControls">
-  <documentManagement>
-    <Status xmlns="71af3243-3dd4-4a8d-8c0d-dd76da1f02a5">Not started</Status>
-    <_ip_UnifiedCompliancePolicyUIAction xmlns="http://schemas.microsoft.com/sharepoint/v3" xsi:nil="true"/>
-    <Image xmlns="71af3243-3dd4-4a8d-8c0d-dd76da1f02a5">
-      <Url xsi:nil="true"/>
-      <Description xsi:nil="true"/>
-    </Image>
-    <_ip_UnifiedCompliancePolicyProperties xmlns="http://schemas.microsoft.com/sharepoint/v3" xsi:nil="true"/>
-    <ImageTagsTaxHTField xmlns="71af3243-3dd4-4a8d-8c0d-dd76da1f02a5">
-      <Terms xmlns="http://schemas.microsoft.com/office/infopath/2007/PartnerControls"/>
-    </ImageTagsTaxHTField>
-    <TaxCatchAll xmlns="230e9df3-be65-4c73-a93b-d1236ebd677e"/>
-    <MediaServiceKeyPoints xmlns="71af3243-3dd4-4a8d-8c0d-dd76da1f02a5" xsi:nil="true"/>
-  </documentManagement>
-</p:properties>
-</file>
-
-<file path=customXml/item2.xml><?xml version="1.0" encoding="utf-8"?>
 <ct:contentTypeSchema xmlns:ct="http://schemas.microsoft.com/office/2006/metadata/contentType" xmlns:ma="http://schemas.microsoft.com/office/2006/metadata/properties/metaAttributes" ct:_="" ma:_="" ma:contentTypeName="Document" ma:contentTypeID="0x01010079F111ED35F8CC479449609E8A0923A6" ma:contentTypeVersion="20" ma:contentTypeDescription="Create a new document." ma:contentTypeScope="" ma:versionID="1267097ee5f5874adfcc408041ae252e">
   <xsd:schema xmlns:xsd="http://www.w3.org/2001/XMLSchema" xmlns:xs="http://www.w3.org/2001/XMLSchema" xmlns:p="http://schemas.microsoft.com/office/2006/metadata/properties" xmlns:ns1="http://schemas.microsoft.com/sharepoint/v3" xmlns:ns2="71af3243-3dd4-4a8d-8c0d-dd76da1f02a5" xmlns:ns3="16c05727-aa75-4e4a-9b5f-8a80a1165891" xmlns:ns4="230e9df3-be65-4c73-a93b-d1236ebd677e" targetNamespace="http://schemas.microsoft.com/office/2006/metadata/properties" ma:root="true" ma:fieldsID="395891a93df65b14727750f2c06c306c" ns1:_="" ns2:_="" ns3:_="" ns4:_="">
     <xsd:import namespace="http://schemas.microsoft.com/sharepoint/v3"/>
@@ -22958,6 +23129,25 @@
 </ct:contentTypeSchema>
 </file>
 
+<file path=customXml/item2.xml><?xml version="1.0" encoding="utf-8"?>
+<p:properties xmlns:p="http://schemas.microsoft.com/office/2006/metadata/properties" xmlns:xsi="http://www.w3.org/2001/XMLSchema-instance" xmlns:pc="http://schemas.microsoft.com/office/infopath/2007/PartnerControls">
+  <documentManagement>
+    <Status xmlns="71af3243-3dd4-4a8d-8c0d-dd76da1f02a5">Not started</Status>
+    <_ip_UnifiedCompliancePolicyUIAction xmlns="http://schemas.microsoft.com/sharepoint/v3" xsi:nil="true"/>
+    <Image xmlns="71af3243-3dd4-4a8d-8c0d-dd76da1f02a5">
+      <Url xsi:nil="true"/>
+      <Description xsi:nil="true"/>
+    </Image>
+    <_ip_UnifiedCompliancePolicyProperties xmlns="http://schemas.microsoft.com/sharepoint/v3" xsi:nil="true"/>
+    <ImageTagsTaxHTField xmlns="71af3243-3dd4-4a8d-8c0d-dd76da1f02a5">
+      <Terms xmlns="http://schemas.microsoft.com/office/infopath/2007/PartnerControls"/>
+    </ImageTagsTaxHTField>
+    <TaxCatchAll xmlns="230e9df3-be65-4c73-a93b-d1236ebd677e"/>
+    <MediaServiceKeyPoints xmlns="71af3243-3dd4-4a8d-8c0d-dd76da1f02a5" xsi:nil="true"/>
+  </documentManagement>
+</p:properties>
+</file>
+
 <file path=customXml/item3.xml><?xml version="1.0" encoding="utf-8"?>
 <?mso-contentType ?>
 <FormTemplates xmlns="http://schemas.microsoft.com/sharepoint/v3/contenttype/forms">
@@ -22968,18 +23158,6 @@
 </file>
 
 <file path=customXml/itemProps1.xml><?xml version="1.0" encoding="utf-8"?>
-<ds:datastoreItem xmlns:ds="http://schemas.openxmlformats.org/officeDocument/2006/customXml" ds:itemID="{45621FE4-3184-49E6-95AD-A045530002EF}">
-  <ds:schemaRefs>
-    <ds:schemaRef ds:uri="http://schemas.microsoft.com/office/2006/metadata/properties"/>
-    <ds:schemaRef ds:uri="http://schemas.microsoft.com/office/infopath/2007/PartnerControls"/>
-    <ds:schemaRef ds:uri="71af3243-3dd4-4a8d-8c0d-dd76da1f02a5"/>
-    <ds:schemaRef ds:uri="http://schemas.microsoft.com/sharepoint/v3"/>
-    <ds:schemaRef ds:uri="230e9df3-be65-4c73-a93b-d1236ebd677e"/>
-  </ds:schemaRefs>
-</ds:datastoreItem>
-</file>
-
-<file path=customXml/itemProps2.xml><?xml version="1.0" encoding="utf-8"?>
 <ds:datastoreItem xmlns:ds="http://schemas.openxmlformats.org/officeDocument/2006/customXml" ds:itemID="{AC6AFC83-AE02-40B8-BC2C-6B2B88106297}">
   <ds:schemaRefs>
     <ds:schemaRef ds:uri="http://schemas.microsoft.com/office/2006/metadata/contentType"/>
@@ -23000,6 +23178,18 @@
 </ds:datastoreItem>
 </file>
 
+<file path=customXml/itemProps2.xml><?xml version="1.0" encoding="utf-8"?>
+<ds:datastoreItem xmlns:ds="http://schemas.openxmlformats.org/officeDocument/2006/customXml" ds:itemID="{45621FE4-3184-49E6-95AD-A045530002EF}">
+  <ds:schemaRefs>
+    <ds:schemaRef ds:uri="http://schemas.microsoft.com/office/2006/metadata/properties"/>
+    <ds:schemaRef ds:uri="http://schemas.microsoft.com/office/infopath/2007/PartnerControls"/>
+    <ds:schemaRef ds:uri="71af3243-3dd4-4a8d-8c0d-dd76da1f02a5"/>
+    <ds:schemaRef ds:uri="http://schemas.microsoft.com/sharepoint/v3"/>
+    <ds:schemaRef ds:uri="230e9df3-be65-4c73-a93b-d1236ebd677e"/>
+  </ds:schemaRefs>
+</ds:datastoreItem>
+</file>
+
 <file path=customXml/itemProps3.xml><?xml version="1.0" encoding="utf-8"?>
 <ds:datastoreItem xmlns:ds="http://schemas.openxmlformats.org/officeDocument/2006/customXml" ds:itemID="{10F98B39-7EBA-4823-84A5-26F47879986F}">
   <ds:schemaRefs>
